--- a/docs/slides/template.pptx
+++ b/docs/slides/template.pptx
@@ -13,7 +13,7 @@
   <p:sldIdLst>
     <p:sldId id="256" r:id="rId2"/>
   </p:sldIdLst>
-  <p:sldSz cx="9144000" cy="6858000" type="screen4x3"/>
+  <p:sldSz cx="12192000" cy="6858000"/>
   <p:notesSz cx="7099300" cy="10234613"/>
   <p:defaultTextStyle>
     <a:defPPr>
@@ -113,12 +113,12 @@
   <p:extLst>
     <p:ext uri="{EFAFB233-063F-42B5-8137-9DF3F51BA10A}">
       <p15:sldGuideLst xmlns:p15="http://schemas.microsoft.com/office/powerpoint/2012/main">
-        <p15:guide id="1" orient="horz" pos="2160">
+        <p15:guide id="1" orient="horz" pos="2160" userDrawn="1">
           <p15:clr>
             <a:srgbClr val="A4A3A4"/>
           </p15:clr>
         </p15:guide>
-        <p15:guide id="2" pos="2880">
+        <p15:guide id="2" pos="3840" userDrawn="1">
           <p15:clr>
             <a:srgbClr val="A4A3A4"/>
           </p15:clr>
@@ -215,7 +215,7 @@
             <a:fld id="{4D91D665-F954-4320-948F-618561BBA760}" type="datetimeFigureOut">
               <a:rPr lang="de-DE" smtClean="0"/>
               <a:pPr/>
-              <a:t>18.10.19</a:t>
+              <a:t>28.04.21</a:t>
             </a:fld>
             <a:endParaRPr lang="de-DE" dirty="0"/>
           </a:p>
@@ -382,7 +382,7 @@
             <a:fld id="{7762330E-7A79-41CB-9878-BFAD6B192309}" type="datetimeFigureOut">
               <a:rPr lang="de-DE" smtClean="0"/>
               <a:pPr/>
-              <a:t>18.10.19</a:t>
+              <a:t>28.04.21</a:t>
             </a:fld>
             <a:endParaRPr lang="de-DE" dirty="0"/>
           </a:p>
@@ -400,8 +400,8 @@
         </p:nvSpPr>
         <p:spPr>
           <a:xfrm>
-            <a:off x="992188" y="768350"/>
-            <a:ext cx="5114925" cy="3836988"/>
+            <a:off x="139700" y="768350"/>
+            <a:ext cx="6819900" cy="3836988"/>
           </a:xfrm>
           <a:prstGeom prst="rect">
             <a:avLst/>
@@ -679,7 +679,12 @@
             <p:ph type="sldImg"/>
           </p:nvPr>
         </p:nvSpPr>
-        <p:spPr/>
+        <p:spPr>
+          <a:xfrm>
+            <a:off x="139700" y="768350"/>
+            <a:ext cx="6819900" cy="3836988"/>
+          </a:xfrm>
+        </p:spPr>
       </p:sp>
       <p:sp>
         <p:nvSpPr>
@@ -770,13 +775,13 @@
               </a:ext>
             </a:extLst>
           </a:blip>
-          <a:srcRect l="393" t="7577" r="863" b="-6408"/>
+          <a:srcRect l="393" t="7576" r="863" b="10254"/>
           <a:stretch/>
         </p:blipFill>
         <p:spPr bwMode="auto">
           <a:xfrm>
-            <a:off x="-28331" y="-243408"/>
-            <a:ext cx="9172331" cy="6158122"/>
+            <a:off x="-37774" y="-243408"/>
+            <a:ext cx="12229773" cy="7064508"/>
           </a:xfrm>
           <a:prstGeom prst="rect">
             <a:avLst/>
@@ -809,7 +814,7 @@
         <p:spPr bwMode="white">
           <a:xfrm>
             <a:off x="0" y="5617840"/>
-            <a:ext cx="9144000" cy="1240160"/>
+            <a:ext cx="12192000" cy="1240160"/>
           </a:xfrm>
           <a:prstGeom prst="rect">
             <a:avLst/>
@@ -842,7 +847,7 @@
           <a:lstStyle/>
           <a:p>
             <a:pPr algn="ctr" eaLnBrk="1" latinLnBrk="0" hangingPunct="1"/>
-            <a:endParaRPr kumimoji="0" lang="en-US" dirty="0"/>
+            <a:endParaRPr kumimoji="0" lang="en-US" sz="1800" dirty="0"/>
           </a:p>
         </p:txBody>
       </p:sp>
@@ -858,8 +863,8 @@
         </p:nvSpPr>
         <p:spPr>
           <a:xfrm>
-            <a:off x="2362200" y="2636912"/>
-            <a:ext cx="6477000" cy="2908920"/>
+            <a:off x="1526187" y="2636912"/>
+            <a:ext cx="10259413" cy="2908920"/>
           </a:xfrm>
           <a:prstGeom prst="rect">
             <a:avLst/>
@@ -883,7 +888,7 @@
           </a:lstStyle>
           <a:p>
             <a:r>
-              <a:rPr kumimoji="0" lang="de-DE"/>
+              <a:rPr kumimoji="0" lang="de-DE" dirty="0"/>
               <a:t>Titelmasterformat durch Klicken bearbeiten</a:t>
             </a:r>
             <a:endParaRPr kumimoji="0" lang="en-US" dirty="0"/>
@@ -902,8 +907,8 @@
         </p:nvSpPr>
         <p:spPr>
           <a:xfrm>
-            <a:off x="2085393" y="236538"/>
-            <a:ext cx="5867400" cy="365125"/>
+            <a:off x="2780524" y="236539"/>
+            <a:ext cx="7823200" cy="365125"/>
           </a:xfrm>
           <a:prstGeom prst="rect">
             <a:avLst/>
@@ -937,8 +942,8 @@
         </p:nvSpPr>
         <p:spPr>
           <a:xfrm>
-            <a:off x="8001000" y="228600"/>
-            <a:ext cx="838200" cy="381000"/>
+            <a:off x="10668000" y="228600"/>
+            <a:ext cx="1117600" cy="381000"/>
           </a:xfrm>
           <a:prstGeom prst="rect">
             <a:avLst/>
@@ -982,8 +987,8 @@
         </p:blipFill>
         <p:spPr bwMode="auto">
           <a:xfrm>
-            <a:off x="6300192" y="5815138"/>
-            <a:ext cx="2766168" cy="854222"/>
+            <a:off x="9042551" y="5820369"/>
+            <a:ext cx="2968144" cy="854222"/>
           </a:xfrm>
           <a:prstGeom prst="rect">
             <a:avLst/>
@@ -1020,8 +1025,8 @@
         </p:blipFill>
         <p:spPr bwMode="auto">
           <a:xfrm>
-            <a:off x="125504" y="5644412"/>
-            <a:ext cx="1206136" cy="1206136"/>
+            <a:off x="167339" y="5644412"/>
+            <a:ext cx="1248141" cy="1206136"/>
           </a:xfrm>
           <a:prstGeom prst="rect">
             <a:avLst/>
@@ -1046,8 +1051,8 @@
         </p:nvSpPr>
         <p:spPr>
           <a:xfrm>
-            <a:off x="1622232" y="5599797"/>
-            <a:ext cx="4550926" cy="1200329"/>
+            <a:off x="1526187" y="5620771"/>
+            <a:ext cx="4398897" cy="1200329"/>
           </a:xfrm>
           <a:prstGeom prst="rect">
             <a:avLst/>
@@ -1068,14 +1073,42 @@
           <a:p>
             <a:r>
               <a:rPr lang="de-DE" sz="2400" dirty="0"/>
-              <a:t>Inklusionspädagogik: </a:t>
-            </a:r>
-            <a:br>
+              <a:t>Research </a:t>
+            </a:r>
+            <a:r>
+              <a:rPr lang="de-DE" sz="2400" dirty="0" err="1"/>
+              <a:t>Methods</a:t>
+            </a:r>
+            <a:r>
               <a:rPr lang="de-DE" sz="2400" dirty="0"/>
-            </a:br>
+              <a:t> </a:t>
+            </a:r>
+            <a:r>
+              <a:rPr lang="de-DE" sz="2400" dirty="0" err="1"/>
+              <a:t>and</a:t>
+            </a:r>
             <a:r>
               <a:rPr lang="de-DE" sz="2400" dirty="0"/>
-              <a:t>Forschungsmethoden und Diagnostik</a:t>
+              <a:t> </a:t>
+            </a:r>
+            <a:r>
+              <a:rPr lang="de-DE" sz="2400" dirty="0" err="1"/>
+              <a:t>Diagnostics</a:t>
+            </a:r>
+            <a:endParaRPr lang="de-DE" sz="2400" dirty="0"/>
+          </a:p>
+          <a:p>
+            <a:r>
+              <a:rPr lang="de-DE" sz="2400" dirty="0"/>
+              <a:t>Department </a:t>
+            </a:r>
+            <a:r>
+              <a:rPr lang="de-DE" sz="2400" dirty="0" err="1"/>
+              <a:t>of</a:t>
+            </a:r>
+            <a:r>
+              <a:rPr lang="de-DE" sz="2400" dirty="0"/>
+              <a:t> Inclusive Education</a:t>
             </a:r>
           </a:p>
         </p:txBody>
@@ -1117,8 +1150,8 @@
         </p:nvSpPr>
         <p:spPr>
           <a:xfrm>
-            <a:off x="8522094" y="6492876"/>
-            <a:ext cx="621906" cy="365124"/>
+            <a:off x="11362792" y="6492876"/>
+            <a:ext cx="829208" cy="365124"/>
           </a:xfrm>
           <a:prstGeom prst="rect">
             <a:avLst/>
@@ -1190,8 +1223,8 @@
         </p:nvSpPr>
         <p:spPr>
           <a:xfrm>
-            <a:off x="8522094" y="6492876"/>
-            <a:ext cx="621906" cy="365124"/>
+            <a:off x="11362792" y="6492876"/>
+            <a:ext cx="829208" cy="365124"/>
           </a:xfrm>
           <a:prstGeom prst="rect">
             <a:avLst/>
@@ -1238,8 +1271,8 @@
         </p:nvSpPr>
         <p:spPr>
           <a:xfrm>
-            <a:off x="251520" y="52788"/>
-            <a:ext cx="8712968" cy="1160254"/>
+            <a:off x="335360" y="52788"/>
+            <a:ext cx="11617291" cy="1160254"/>
           </a:xfrm>
           <a:prstGeom prst="rect">
             <a:avLst/>
@@ -1271,8 +1304,8 @@
         </p:nvSpPr>
         <p:spPr>
           <a:xfrm>
-            <a:off x="251520" y="1412776"/>
-            <a:ext cx="8712968" cy="5328592"/>
+            <a:off x="335360" y="1412776"/>
+            <a:ext cx="11617291" cy="5328592"/>
           </a:xfrm>
           <a:prstGeom prst="rect">
             <a:avLst/>
@@ -1363,8 +1396,8 @@
         </p:nvSpPr>
         <p:spPr>
           <a:xfrm>
-            <a:off x="1371600" y="2743200"/>
-            <a:ext cx="7123113" cy="1673225"/>
+            <a:off x="1828801" y="2743200"/>
+            <a:ext cx="9497484" cy="1673225"/>
           </a:xfrm>
           <a:prstGeom prst="rect">
             <a:avLst/>
@@ -1440,7 +1473,7 @@
         <p:spPr bwMode="white">
           <a:xfrm>
             <a:off x="0" y="1565920"/>
-            <a:ext cx="9144000" cy="1143000"/>
+            <a:ext cx="12192000" cy="1143000"/>
           </a:xfrm>
           <a:prstGeom prst="rect">
             <a:avLst/>
@@ -1473,7 +1506,7 @@
           <a:lstStyle/>
           <a:p>
             <a:pPr algn="ctr" eaLnBrk="1" latinLnBrk="0" hangingPunct="1"/>
-            <a:endParaRPr kumimoji="0" lang="en-US" dirty="0"/>
+            <a:endParaRPr kumimoji="0" lang="en-US" sz="1800" dirty="0"/>
           </a:p>
         </p:txBody>
       </p:sp>
@@ -1486,7 +1519,7 @@
         <p:spPr>
           <a:xfrm>
             <a:off x="0" y="1600200"/>
-            <a:ext cx="1295400" cy="990600"/>
+            <a:ext cx="1727200" cy="990600"/>
           </a:xfrm>
           <a:prstGeom prst="rect">
             <a:avLst/>
@@ -1521,7 +1554,7 @@
           <a:lstStyle/>
           <a:p>
             <a:pPr algn="ctr" eaLnBrk="1" latinLnBrk="0" hangingPunct="1"/>
-            <a:endParaRPr kumimoji="0" lang="en-US" dirty="0"/>
+            <a:endParaRPr kumimoji="0" lang="en-US" sz="1800" dirty="0"/>
           </a:p>
         </p:txBody>
       </p:sp>
@@ -1533,8 +1566,8 @@
         </p:nvSpPr>
         <p:spPr>
           <a:xfrm>
-            <a:off x="1371600" y="1628800"/>
-            <a:ext cx="7772400" cy="990600"/>
+            <a:off x="1828800" y="1628800"/>
+            <a:ext cx="10363200" cy="990600"/>
           </a:xfrm>
           <a:prstGeom prst="rect">
             <a:avLst/>
@@ -1567,7 +1600,7 @@
           <a:lstStyle/>
           <a:p>
             <a:pPr algn="ctr" eaLnBrk="1" latinLnBrk="0" hangingPunct="1"/>
-            <a:endParaRPr kumimoji="0" lang="en-US" dirty="0"/>
+            <a:endParaRPr kumimoji="0" lang="en-US" sz="1800" dirty="0"/>
           </a:p>
         </p:txBody>
       </p:sp>
@@ -1583,8 +1616,8 @@
         </p:nvSpPr>
         <p:spPr>
           <a:xfrm>
-            <a:off x="1371600" y="1646312"/>
-            <a:ext cx="7620000" cy="990600"/>
+            <a:off x="1828800" y="1646312"/>
+            <a:ext cx="10160000" cy="990600"/>
           </a:xfrm>
           <a:prstGeom prst="rect">
             <a:avLst/>
@@ -1623,8 +1656,8 @@
         </p:nvSpPr>
         <p:spPr>
           <a:xfrm>
-            <a:off x="6096000" y="6248400"/>
-            <a:ext cx="2667000" cy="365125"/>
+            <a:off x="8128000" y="6248401"/>
+            <a:ext cx="3556000" cy="365125"/>
           </a:xfrm>
           <a:prstGeom prst="rect">
             <a:avLst/>
@@ -1651,7 +1684,7 @@
         <p:spPr>
           <a:xfrm>
             <a:off x="0" y="1752600"/>
-            <a:ext cx="1295400" cy="701676"/>
+            <a:ext cx="1727200" cy="701676"/>
           </a:xfrm>
           <a:prstGeom prst="rect">
             <a:avLst/>
@@ -1692,8 +1725,8 @@
         </p:nvSpPr>
         <p:spPr>
           <a:xfrm>
-            <a:off x="609600" y="6248206"/>
-            <a:ext cx="5421083" cy="365125"/>
+            <a:off x="812801" y="6248207"/>
+            <a:ext cx="7228111" cy="365125"/>
           </a:xfrm>
           <a:prstGeom prst="rect">
             <a:avLst/>
@@ -1751,7 +1784,7 @@
         <p:spPr>
           <a:xfrm>
             <a:off x="0" y="0"/>
-            <a:ext cx="9144000" cy="6858000"/>
+            <a:ext cx="12192000" cy="6858000"/>
           </a:xfrm>
           <a:prstGeom prst="rect">
             <a:avLst/>
@@ -1783,7 +1816,7 @@
           <a:lstStyle/>
           <a:p>
             <a:pPr algn="ctr"/>
-            <a:endParaRPr lang="en-GB" dirty="0"/>
+            <a:endParaRPr lang="en-GB" sz="1800" dirty="0"/>
           </a:p>
         </p:txBody>
       </p:sp>
@@ -1799,8 +1832,8 @@
         </p:nvSpPr>
         <p:spPr>
           <a:xfrm>
-            <a:off x="323528" y="228600"/>
-            <a:ext cx="8568952" cy="990600"/>
+            <a:off x="431371" y="228600"/>
+            <a:ext cx="11425269" cy="990600"/>
           </a:xfrm>
           <a:prstGeom prst="rect">
             <a:avLst/>
@@ -1837,8 +1870,8 @@
         </p:nvSpPr>
         <p:spPr>
           <a:xfrm>
-            <a:off x="323528" y="1600200"/>
-            <a:ext cx="8568952" cy="4997152"/>
+            <a:off x="431371" y="1600200"/>
+            <a:ext cx="11425269" cy="4997152"/>
           </a:xfrm>
           <a:prstGeom prst="rect">
             <a:avLst/>
@@ -1914,8 +1947,8 @@
         </p:blipFill>
         <p:spPr>
           <a:xfrm>
-            <a:off x="5323928" y="-99392"/>
-            <a:ext cx="3806960" cy="2317487"/>
+            <a:off x="7098571" y="-99392"/>
+            <a:ext cx="5075947" cy="2317487"/>
           </a:xfrm>
           <a:prstGeom prst="rect">
             <a:avLst/>
@@ -1934,8 +1967,8 @@
         </p:nvSpPr>
         <p:spPr>
           <a:xfrm>
-            <a:off x="8522094" y="6492876"/>
-            <a:ext cx="621906" cy="365124"/>
+            <a:off x="11362792" y="6492876"/>
+            <a:ext cx="829208" cy="365124"/>
           </a:xfrm>
           <a:prstGeom prst="rect">
             <a:avLst/>
@@ -2019,7 +2052,7 @@
         <p:spPr>
           <a:xfrm>
             <a:off x="0" y="0"/>
-            <a:ext cx="9144000" cy="6858000"/>
+            <a:ext cx="12192000" cy="6858000"/>
           </a:xfrm>
           <a:prstGeom prst="rect">
             <a:avLst/>
@@ -2052,7 +2085,7 @@
           <a:lstStyle/>
           <a:p>
             <a:pPr algn="ctr"/>
-            <a:endParaRPr lang="en-GB" dirty="0"/>
+            <a:endParaRPr lang="en-GB" sz="1800" dirty="0"/>
           </a:p>
         </p:txBody>
       </p:sp>
@@ -2068,8 +2101,8 @@
         </p:nvSpPr>
         <p:spPr>
           <a:xfrm>
-            <a:off x="323528" y="228600"/>
-            <a:ext cx="8568952" cy="990600"/>
+            <a:off x="431371" y="228600"/>
+            <a:ext cx="11425269" cy="990600"/>
           </a:xfrm>
           <a:prstGeom prst="rect">
             <a:avLst/>
@@ -2106,8 +2139,8 @@
         </p:nvSpPr>
         <p:spPr>
           <a:xfrm>
-            <a:off x="323528" y="1600200"/>
-            <a:ext cx="8568952" cy="4997152"/>
+            <a:off x="431371" y="1600200"/>
+            <a:ext cx="11425269" cy="4997152"/>
           </a:xfrm>
           <a:prstGeom prst="rect">
             <a:avLst/>
@@ -2184,8 +2217,8 @@
         </p:blipFill>
         <p:spPr bwMode="auto">
           <a:xfrm>
-            <a:off x="7482394" y="228600"/>
-            <a:ext cx="1535846" cy="1700808"/>
+            <a:off x="9976525" y="228600"/>
+            <a:ext cx="2047795" cy="1700808"/>
           </a:xfrm>
           <a:prstGeom prst="rect">
             <a:avLst/>
@@ -2214,8 +2247,8 @@
         </p:nvSpPr>
         <p:spPr>
           <a:xfrm>
-            <a:off x="8522094" y="6492876"/>
-            <a:ext cx="621906" cy="365124"/>
+            <a:off x="11362792" y="6492876"/>
+            <a:ext cx="829208" cy="365124"/>
           </a:xfrm>
           <a:prstGeom prst="rect">
             <a:avLst/>
@@ -2303,8 +2336,8 @@
         </p:nvSpPr>
         <p:spPr>
           <a:xfrm>
-            <a:off x="612648" y="228600"/>
-            <a:ext cx="8153400" cy="990600"/>
+            <a:off x="816864" y="228600"/>
+            <a:ext cx="10871200" cy="990600"/>
           </a:xfrm>
         </p:spPr>
         <p:txBody>
@@ -2339,8 +2372,8 @@
         </p:nvSpPr>
         <p:spPr>
           <a:xfrm>
-            <a:off x="612648" y="1600200"/>
-            <a:ext cx="8153400" cy="4997152"/>
+            <a:off x="816864" y="1600200"/>
+            <a:ext cx="10871200" cy="4997152"/>
           </a:xfrm>
         </p:spPr>
         <p:txBody>
@@ -2399,7 +2432,7 @@
         </p:nvSpPr>
         <p:spPr>
           <a:xfrm rot="16200000">
-            <a:off x="-284815" y="364936"/>
+            <a:off x="-187874" y="364937"/>
             <a:ext cx="1151276" cy="510653"/>
           </a:xfrm>
           <a:prstGeom prst="rect">
@@ -2434,7 +2467,7 @@
               </a:lnSpc>
             </a:pPr>
             <a:r>
-              <a:rPr lang="de-DE" b="0" dirty="0">
+              <a:rPr lang="de-DE" sz="1800" b="0" dirty="0">
                 <a:solidFill>
                   <a:schemeClr val="tx2">
                     <a:lumMod val="50000"/>
@@ -2451,7 +2484,7 @@
               </a:lnSpc>
             </a:pPr>
             <a:r>
-              <a:rPr lang="de-DE" b="0" dirty="0">
+              <a:rPr lang="de-DE" sz="1800" b="0" dirty="0">
                 <a:solidFill>
                   <a:schemeClr val="tx2">
                     <a:lumMod val="50000"/>
@@ -2475,8 +2508,8 @@
         </p:nvSpPr>
         <p:spPr>
           <a:xfrm>
-            <a:off x="8522094" y="6492876"/>
-            <a:ext cx="621906" cy="365124"/>
+            <a:off x="11362792" y="6492876"/>
+            <a:ext cx="829208" cy="365124"/>
           </a:xfrm>
           <a:prstGeom prst="rect">
             <a:avLst/>
@@ -2553,8 +2586,8 @@
         </p:nvSpPr>
         <p:spPr>
           <a:xfrm>
-            <a:off x="609600" y="228600"/>
-            <a:ext cx="8153400" cy="990600"/>
+            <a:off x="812800" y="228600"/>
+            <a:ext cx="10871200" cy="990600"/>
           </a:xfrm>
           <a:prstGeom prst="rect">
             <a:avLst/>
@@ -2584,8 +2617,8 @@
         </p:nvSpPr>
         <p:spPr>
           <a:xfrm>
-            <a:off x="609600" y="1589567"/>
-            <a:ext cx="3886200" cy="4572000"/>
+            <a:off x="812800" y="1589567"/>
+            <a:ext cx="5181600" cy="4572000"/>
           </a:xfrm>
           <a:prstGeom prst="rect">
             <a:avLst/>
@@ -2644,8 +2677,8 @@
         </p:nvSpPr>
         <p:spPr>
           <a:xfrm>
-            <a:off x="4844901" y="1589567"/>
-            <a:ext cx="3886200" cy="4572000"/>
+            <a:off x="6459868" y="1589567"/>
+            <a:ext cx="5181600" cy="4572000"/>
           </a:xfrm>
           <a:prstGeom prst="rect">
             <a:avLst/>
@@ -2704,8 +2737,8 @@
         </p:nvSpPr>
         <p:spPr>
           <a:xfrm>
-            <a:off x="6096000" y="6248400"/>
-            <a:ext cx="2667000" cy="365125"/>
+            <a:off x="8128000" y="6248401"/>
+            <a:ext cx="3556000" cy="365125"/>
           </a:xfrm>
           <a:prstGeom prst="rect">
             <a:avLst/>
@@ -2732,7 +2765,7 @@
         <p:spPr>
           <a:xfrm>
             <a:off x="0" y="1272222"/>
-            <a:ext cx="533400" cy="244476"/>
+            <a:ext cx="711200" cy="244476"/>
           </a:xfrm>
           <a:prstGeom prst="rect">
             <a:avLst/>
@@ -2763,8 +2796,8 @@
         </p:nvSpPr>
         <p:spPr>
           <a:xfrm>
-            <a:off x="609600" y="6248206"/>
-            <a:ext cx="5421083" cy="365125"/>
+            <a:off x="812801" y="6248207"/>
+            <a:ext cx="7228111" cy="365125"/>
           </a:xfrm>
           <a:prstGeom prst="rect">
             <a:avLst/>
@@ -2815,8 +2848,8 @@
         </p:nvSpPr>
         <p:spPr>
           <a:xfrm>
-            <a:off x="533400" y="273050"/>
-            <a:ext cx="8153400" cy="869950"/>
+            <a:off x="711200" y="273050"/>
+            <a:ext cx="10871200" cy="869950"/>
           </a:xfrm>
           <a:prstGeom prst="rect">
             <a:avLst/>
@@ -2850,8 +2883,8 @@
         </p:nvSpPr>
         <p:spPr>
           <a:xfrm>
-            <a:off x="609600" y="2438400"/>
-            <a:ext cx="3886200" cy="3581400"/>
+            <a:off x="812800" y="2438400"/>
+            <a:ext cx="5181600" cy="3581400"/>
           </a:xfrm>
           <a:prstGeom prst="rect">
             <a:avLst/>
@@ -2910,8 +2943,8 @@
         </p:nvSpPr>
         <p:spPr>
           <a:xfrm>
-            <a:off x="4800600" y="2438400"/>
-            <a:ext cx="3886200" cy="3581400"/>
+            <a:off x="6400800" y="2438400"/>
+            <a:ext cx="5181600" cy="3581400"/>
           </a:xfrm>
           <a:prstGeom prst="rect">
             <a:avLst/>
@@ -2970,8 +3003,8 @@
         </p:nvSpPr>
         <p:spPr>
           <a:xfrm>
-            <a:off x="6096000" y="6248400"/>
-            <a:ext cx="2667000" cy="365125"/>
+            <a:off x="8128000" y="6248401"/>
+            <a:ext cx="3556000" cy="365125"/>
           </a:xfrm>
           <a:prstGeom prst="rect">
             <a:avLst/>
@@ -2997,8 +3030,8 @@
         </p:nvSpPr>
         <p:spPr>
           <a:xfrm>
-            <a:off x="609600" y="6248206"/>
-            <a:ext cx="5421083" cy="365125"/>
+            <a:off x="812801" y="6248207"/>
+            <a:ext cx="7228111" cy="365125"/>
           </a:xfrm>
           <a:prstGeom prst="rect">
             <a:avLst/>
@@ -3024,8 +3057,8 @@
         </p:nvSpPr>
         <p:spPr>
           <a:xfrm>
-            <a:off x="609600" y="1752600"/>
-            <a:ext cx="3886200" cy="640080"/>
+            <a:off x="812800" y="1752600"/>
+            <a:ext cx="5181600" cy="640080"/>
           </a:xfrm>
           <a:prstGeom prst="rect">
             <a:avLst/>
@@ -3068,8 +3101,8 @@
         </p:nvSpPr>
         <p:spPr>
           <a:xfrm>
-            <a:off x="4800600" y="1752600"/>
-            <a:ext cx="3886200" cy="640080"/>
+            <a:off x="6400800" y="1752600"/>
+            <a:ext cx="5181600" cy="640080"/>
           </a:xfrm>
           <a:prstGeom prst="rect">
             <a:avLst/>
@@ -3137,8 +3170,8 @@
         </p:nvSpPr>
         <p:spPr>
           <a:xfrm>
-            <a:off x="609600" y="228600"/>
-            <a:ext cx="8153400" cy="990600"/>
+            <a:off x="812800" y="228600"/>
+            <a:ext cx="10871200" cy="990600"/>
           </a:xfrm>
           <a:prstGeom prst="rect">
             <a:avLst/>
@@ -3168,8 +3201,8 @@
         </p:nvSpPr>
         <p:spPr>
           <a:xfrm>
-            <a:off x="6096000" y="6248400"/>
-            <a:ext cx="2667000" cy="365125"/>
+            <a:off x="8128000" y="6248401"/>
+            <a:ext cx="3556000" cy="365125"/>
           </a:xfrm>
           <a:prstGeom prst="rect">
             <a:avLst/>
@@ -3195,8 +3228,8 @@
         </p:nvSpPr>
         <p:spPr>
           <a:xfrm>
-            <a:off x="609600" y="6248206"/>
-            <a:ext cx="5421083" cy="365125"/>
+            <a:off x="812801" y="6248207"/>
+            <a:ext cx="7228111" cy="365125"/>
           </a:xfrm>
           <a:prstGeom prst="rect">
             <a:avLst/>
@@ -3252,8 +3285,8 @@
         </p:nvSpPr>
         <p:spPr>
           <a:xfrm>
-            <a:off x="251520" y="52788"/>
-            <a:ext cx="8712968" cy="1160254"/>
+            <a:off x="335360" y="52788"/>
+            <a:ext cx="11617291" cy="1160254"/>
           </a:xfrm>
           <a:prstGeom prst="rect">
             <a:avLst/>
@@ -3285,8 +3318,8 @@
         </p:nvSpPr>
         <p:spPr>
           <a:xfrm>
-            <a:off x="251520" y="1412776"/>
-            <a:ext cx="8712968" cy="5328592"/>
+            <a:off x="335360" y="1412776"/>
+            <a:ext cx="11617291" cy="5328592"/>
           </a:xfrm>
           <a:prstGeom prst="rect">
             <a:avLst/>
@@ -3343,8 +3376,8 @@
         </p:nvSpPr>
         <p:spPr>
           <a:xfrm>
-            <a:off x="-4308" y="1268760"/>
-            <a:ext cx="9148308" cy="45719"/>
+            <a:off x="-5744" y="1268761"/>
+            <a:ext cx="12197744" cy="45719"/>
           </a:xfrm>
           <a:prstGeom prst="rect">
             <a:avLst/>
@@ -3377,7 +3410,7 @@
           <a:lstStyle/>
           <a:p>
             <a:pPr algn="ctr" eaLnBrk="1" latinLnBrk="0" hangingPunct="1"/>
-            <a:endParaRPr kumimoji="0" lang="en-US" dirty="0"/>
+            <a:endParaRPr kumimoji="0" lang="en-US" sz="1800" dirty="0"/>
           </a:p>
         </p:txBody>
       </p:sp>
@@ -3393,8 +3426,8 @@
         </p:nvSpPr>
         <p:spPr>
           <a:xfrm>
-            <a:off x="8522094" y="6492876"/>
-            <a:ext cx="621906" cy="365124"/>
+            <a:off x="11362792" y="6492876"/>
+            <a:ext cx="829208" cy="365124"/>
           </a:xfrm>
           <a:prstGeom prst="rect">
             <a:avLst/>
@@ -3473,7 +3506,7 @@
         <a:buSzPct val="60000"/>
         <a:buFont typeface="Wingdings"/>
         <a:buChar char=""/>
-        <a:defRPr kumimoji="0" sz="2900" kern="1200">
+        <a:defRPr kumimoji="0" sz="2500" kern="1200" baseline="0">
           <a:solidFill>
             <a:schemeClr val="tx1"/>
           </a:solidFill>
@@ -3494,7 +3527,7 @@
         <a:buSzPct val="70000"/>
         <a:buFont typeface="Wingdings 2"/>
         <a:buChar char=""/>
-        <a:defRPr kumimoji="0" sz="2600" kern="1200">
+        <a:defRPr kumimoji="0" sz="2500" kern="1200" baseline="0">
           <a:solidFill>
             <a:schemeClr val="tx1"/>
           </a:solidFill>
@@ -3758,7 +3791,7 @@
         </p:nvSpPr>
         <p:spPr>
           <a:xfrm>
-            <a:off x="2483768" y="1844824"/>
+            <a:off x="4007768" y="1844824"/>
             <a:ext cx="6336704" cy="3701008"/>
           </a:xfrm>
           <a:solidFill>
@@ -3787,7 +3820,7 @@
         </p:nvSpPr>
         <p:spPr>
           <a:xfrm>
-            <a:off x="1622232" y="5599797"/>
+            <a:off x="3146232" y="5599798"/>
             <a:ext cx="4550926" cy="1200329"/>
           </a:xfrm>
           <a:prstGeom prst="rect">
